--- a/Fihirana Fanampiny/FF 15.pptx
+++ b/Fihirana Fanampiny/FF 15.pptx
@@ -108,6 +108,22 @@
       </a:defRPr>
     </a:lvl9pPr>
   </p:defaultTextStyle>
+  <p:extLst>
+    <p:ext uri="{EFAFB233-063F-42B5-8137-9DF3F51BA10A}">
+      <p15:sldGuideLst xmlns:p15="http://schemas.microsoft.com/office/powerpoint/2012/main">
+        <p15:guide id="1" orient="horz" pos="2160">
+          <p15:clr>
+            <a:srgbClr val="A4A3A4"/>
+          </p15:clr>
+        </p15:guide>
+        <p15:guide id="2" pos="3840">
+          <p15:clr>
+            <a:srgbClr val="A4A3A4"/>
+          </p15:clr>
+        </p15:guide>
+      </p15:sldGuideLst>
+    </p:ext>
+  </p:extLst>
 </p:presentation>
 </file>
 
@@ -242,7 +258,7 @@
           <a:p>
             <a:fld id="{26998124-20D1-440D-811A-C3F1B9F30816}" type="datetimeFigureOut">
               <a:rPr lang="fr-FR" smtClean="0"/>
-              <a:t>09/11/2014</a:t>
+              <a:t>29/05/2025</a:t>
             </a:fld>
             <a:endParaRPr lang="fr-FR"/>
           </a:p>
@@ -412,7 +428,7 @@
           <a:p>
             <a:fld id="{26998124-20D1-440D-811A-C3F1B9F30816}" type="datetimeFigureOut">
               <a:rPr lang="fr-FR" smtClean="0"/>
-              <a:t>09/11/2014</a:t>
+              <a:t>29/05/2025</a:t>
             </a:fld>
             <a:endParaRPr lang="fr-FR"/>
           </a:p>
@@ -592,7 +608,7 @@
           <a:p>
             <a:fld id="{26998124-20D1-440D-811A-C3F1B9F30816}" type="datetimeFigureOut">
               <a:rPr lang="fr-FR" smtClean="0"/>
-              <a:t>09/11/2014</a:t>
+              <a:t>29/05/2025</a:t>
             </a:fld>
             <a:endParaRPr lang="fr-FR"/>
           </a:p>
@@ -762,7 +778,7 @@
           <a:p>
             <a:fld id="{26998124-20D1-440D-811A-C3F1B9F30816}" type="datetimeFigureOut">
               <a:rPr lang="fr-FR" smtClean="0"/>
-              <a:t>09/11/2014</a:t>
+              <a:t>29/05/2025</a:t>
             </a:fld>
             <a:endParaRPr lang="fr-FR"/>
           </a:p>
@@ -1008,7 +1024,7 @@
           <a:p>
             <a:fld id="{26998124-20D1-440D-811A-C3F1B9F30816}" type="datetimeFigureOut">
               <a:rPr lang="fr-FR" smtClean="0"/>
-              <a:t>09/11/2014</a:t>
+              <a:t>29/05/2025</a:t>
             </a:fld>
             <a:endParaRPr lang="fr-FR"/>
           </a:p>
@@ -1240,7 +1256,7 @@
           <a:p>
             <a:fld id="{26998124-20D1-440D-811A-C3F1B9F30816}" type="datetimeFigureOut">
               <a:rPr lang="fr-FR" smtClean="0"/>
-              <a:t>09/11/2014</a:t>
+              <a:t>29/05/2025</a:t>
             </a:fld>
             <a:endParaRPr lang="fr-FR"/>
           </a:p>
@@ -1607,7 +1623,7 @@
           <a:p>
             <a:fld id="{26998124-20D1-440D-811A-C3F1B9F30816}" type="datetimeFigureOut">
               <a:rPr lang="fr-FR" smtClean="0"/>
-              <a:t>09/11/2014</a:t>
+              <a:t>29/05/2025</a:t>
             </a:fld>
             <a:endParaRPr lang="fr-FR"/>
           </a:p>
@@ -1725,7 +1741,7 @@
           <a:p>
             <a:fld id="{26998124-20D1-440D-811A-C3F1B9F30816}" type="datetimeFigureOut">
               <a:rPr lang="fr-FR" smtClean="0"/>
-              <a:t>09/11/2014</a:t>
+              <a:t>29/05/2025</a:t>
             </a:fld>
             <a:endParaRPr lang="fr-FR"/>
           </a:p>
@@ -1820,7 +1836,7 @@
           <a:p>
             <a:fld id="{26998124-20D1-440D-811A-C3F1B9F30816}" type="datetimeFigureOut">
               <a:rPr lang="fr-FR" smtClean="0"/>
-              <a:t>09/11/2014</a:t>
+              <a:t>29/05/2025</a:t>
             </a:fld>
             <a:endParaRPr lang="fr-FR"/>
           </a:p>
@@ -2097,7 +2113,7 @@
           <a:p>
             <a:fld id="{26998124-20D1-440D-811A-C3F1B9F30816}" type="datetimeFigureOut">
               <a:rPr lang="fr-FR" smtClean="0"/>
-              <a:t>09/11/2014</a:t>
+              <a:t>29/05/2025</a:t>
             </a:fld>
             <a:endParaRPr lang="fr-FR"/>
           </a:p>
@@ -2350,7 +2366,7 @@
           <a:p>
             <a:fld id="{26998124-20D1-440D-811A-C3F1B9F30816}" type="datetimeFigureOut">
               <a:rPr lang="fr-FR" smtClean="0"/>
-              <a:t>09/11/2014</a:t>
+              <a:t>29/05/2025</a:t>
             </a:fld>
             <a:endParaRPr lang="fr-FR"/>
           </a:p>
@@ -2563,7 +2579,7 @@
           <a:p>
             <a:fld id="{26998124-20D1-440D-811A-C3F1B9F30816}" type="datetimeFigureOut">
               <a:rPr lang="fr-FR" smtClean="0"/>
-              <a:t>09/11/2014</a:t>
+              <a:t>29/05/2025</a:t>
             </a:fld>
             <a:endParaRPr lang="fr-FR"/>
           </a:p>
@@ -2991,7 +3007,7 @@
           <a:lstStyle/>
           <a:p>
             <a:r>
-              <a:rPr lang="fr-FR" sz="23900" b="1" dirty="0" smtClean="0">
+              <a:rPr lang="fr-FR" sz="19900" b="1" dirty="0" smtClean="0">
                 <a:solidFill>
                   <a:srgbClr val="C00000"/>
                 </a:solidFill>
@@ -3007,7 +3023,7 @@
               </a:rPr>
               <a:t>FF 15</a:t>
             </a:r>
-            <a:endParaRPr lang="fr-FR" sz="23900" b="1" dirty="0">
+            <a:endParaRPr lang="fr-FR" sz="19900" b="1" dirty="0">
               <a:solidFill>
                 <a:srgbClr val="C00000"/>
               </a:solidFill>
@@ -3127,8 +3143,8 @@
         </p:nvSpPr>
         <p:spPr>
           <a:xfrm>
-            <a:off x="0" y="1615440"/>
-            <a:ext cx="12192000" cy="3785652"/>
+            <a:off x="0" y="562496"/>
+            <a:ext cx="12192000" cy="5489195"/>
           </a:xfrm>
           <a:prstGeom prst="rect">
             <a:avLst/>
@@ -3141,7 +3157,11 @@
           </a:bodyPr>
           <a:lstStyle/>
           <a:p>
-            <a:pPr algn="ctr"/>
+            <a:pPr algn="ctr">
+              <a:lnSpc>
+                <a:spcPct val="150000"/>
+              </a:lnSpc>
+            </a:pPr>
             <a:r>
               <a:rPr lang="fr-FR" sz="6000" b="1" dirty="0" smtClean="0"/>
               <a:t>1. </a:t>
@@ -3187,7 +3207,11 @@
             </a:endParaRPr>
           </a:p>
           <a:p>
-            <a:pPr algn="ctr"/>
+            <a:pPr algn="ctr">
+              <a:lnSpc>
+                <a:spcPct val="150000"/>
+              </a:lnSpc>
+            </a:pPr>
             <a:r>
               <a:rPr lang="en-GB" sz="6000" b="1" dirty="0"/>
               <a:t>   </a:t>
@@ -3249,7 +3273,11 @@
             </a:endParaRPr>
           </a:p>
           <a:p>
-            <a:pPr algn="ctr"/>
+            <a:pPr algn="ctr">
+              <a:lnSpc>
+                <a:spcPct val="150000"/>
+              </a:lnSpc>
+            </a:pPr>
             <a:r>
               <a:rPr lang="en-GB" sz="6000" b="1" dirty="0"/>
               <a:t>   </a:t>
@@ -3299,7 +3327,11 @@
             </a:endParaRPr>
           </a:p>
           <a:p>
-            <a:pPr algn="ctr"/>
+            <a:pPr algn="ctr">
+              <a:lnSpc>
+                <a:spcPct val="150000"/>
+              </a:lnSpc>
+            </a:pPr>
             <a:r>
               <a:rPr lang="en-GB" sz="6000" b="1" dirty="0"/>
               <a:t>   </a:t>
@@ -3358,6 +3390,13 @@
   <p:clrMapOvr>
     <a:masterClrMapping/>
   </p:clrMapOvr>
+  <p:timing>
+    <p:tnLst>
+      <p:par>
+        <p:cTn id="1" dur="indefinite" restart="never" nodeType="tmRoot"/>
+      </p:par>
+    </p:tnLst>
+  </p:timing>
 </p:sld>
 </file>
 
@@ -3386,8 +3425,8 @@
         </p:nvSpPr>
         <p:spPr>
           <a:xfrm>
-            <a:off x="0" y="1493520"/>
-            <a:ext cx="12192000" cy="3785652"/>
+            <a:off x="0" y="468280"/>
+            <a:ext cx="12192000" cy="5489195"/>
           </a:xfrm>
           <a:prstGeom prst="rect">
             <a:avLst/>
@@ -3400,14 +3439,22 @@
           </a:bodyPr>
           <a:lstStyle/>
           <a:p>
-            <a:pPr algn="ctr"/>
+            <a:pPr algn="ctr">
+              <a:lnSpc>
+                <a:spcPct val="150000"/>
+              </a:lnSpc>
+            </a:pPr>
             <a:r>
               <a:rPr lang="en-GB" sz="6000" b="1" dirty="0" err="1"/>
               <a:t>Raiko</a:t>
             </a:r>
             <a:r>
               <a:rPr lang="en-GB" sz="6000" b="1" dirty="0"/>
-              <a:t> ô ! </a:t>
+              <a:t> </a:t>
+            </a:r>
+            <a:r>
+              <a:rPr lang="en-GB" sz="6000" b="1" dirty="0" smtClean="0"/>
+              <a:t>ô! </a:t>
             </a:r>
             <a:r>
               <a:rPr lang="en-GB" sz="6000" b="1" dirty="0" err="1"/>
@@ -3415,11 +3462,11 @@
             </a:r>
             <a:r>
               <a:rPr lang="en-GB" sz="6000" b="1" dirty="0"/>
-              <a:t> ô ! </a:t>
+              <a:t> </a:t>
             </a:r>
             <a:r>
               <a:rPr lang="en-GB" sz="6000" b="1" dirty="0" smtClean="0"/>
-              <a:t> </a:t>
+              <a:t>ô!  </a:t>
             </a:r>
             <a:r>
               <a:rPr lang="en-GB" sz="6000" b="1" dirty="0" err="1"/>
@@ -3438,7 +3485,11 @@
             </a:endParaRPr>
           </a:p>
           <a:p>
-            <a:pPr algn="ctr"/>
+            <a:pPr algn="ctr">
+              <a:lnSpc>
+                <a:spcPct val="150000"/>
+              </a:lnSpc>
+            </a:pPr>
             <a:r>
               <a:rPr lang="en-GB" sz="6000" b="1" dirty="0"/>
               <a:t>   </a:t>
@@ -3484,7 +3535,11 @@
             </a:endParaRPr>
           </a:p>
           <a:p>
-            <a:pPr algn="ctr"/>
+            <a:pPr algn="ctr">
+              <a:lnSpc>
+                <a:spcPct val="150000"/>
+              </a:lnSpc>
+            </a:pPr>
             <a:r>
               <a:rPr lang="en-GB" sz="6000" b="1" dirty="0"/>
               <a:t>   </a:t>
@@ -3538,7 +3593,11 @@
             </a:endParaRPr>
           </a:p>
           <a:p>
-            <a:pPr algn="ctr"/>
+            <a:pPr algn="ctr">
+              <a:lnSpc>
+                <a:spcPct val="150000"/>
+              </a:lnSpc>
+            </a:pPr>
             <a:r>
               <a:rPr lang="en-GB" sz="6000" b="1" dirty="0"/>
               <a:t>   </a:t>
@@ -3565,11 +3624,11 @@
             </a:r>
             <a:r>
               <a:rPr lang="en-GB" sz="6000" b="1" dirty="0" smtClean="0"/>
-              <a:t> </a:t>
+              <a:t> Ray </a:t>
             </a:r>
             <a:r>
               <a:rPr lang="en-GB" sz="6000" b="1" dirty="0" smtClean="0"/>
-              <a:t>Ray ô !</a:t>
+              <a:t>ô!</a:t>
             </a:r>
             <a:endParaRPr lang="fr-FR" sz="6000" b="1" dirty="0"/>
           </a:p>
@@ -3585,6 +3644,13 @@
   <p:clrMapOvr>
     <a:masterClrMapping/>
   </p:clrMapOvr>
+  <p:timing>
+    <p:tnLst>
+      <p:par>
+        <p:cTn id="1" dur="indefinite" restart="never" nodeType="tmRoot"/>
+      </p:par>
+    </p:tnLst>
+  </p:timing>
 </p:sld>
 </file>
 
@@ -3613,8 +3679,8 @@
         </p:nvSpPr>
         <p:spPr>
           <a:xfrm>
-            <a:off x="0" y="1615440"/>
-            <a:ext cx="12192000" cy="3785652"/>
+            <a:off x="-124695" y="313103"/>
+            <a:ext cx="12192000" cy="6028895"/>
           </a:xfrm>
           <a:prstGeom prst="rect">
             <a:avLst/>
@@ -3627,182 +3693,194 @@
           </a:bodyPr>
           <a:lstStyle/>
           <a:p>
-            <a:pPr algn="ctr"/>
-            <a:r>
-              <a:rPr lang="en-GB" sz="6000" b="1" dirty="0" smtClean="0"/>
+            <a:pPr algn="ctr">
+              <a:lnSpc>
+                <a:spcPct val="150000"/>
+              </a:lnSpc>
+            </a:pPr>
+            <a:r>
+              <a:rPr lang="en-GB" sz="6600" b="1" dirty="0" smtClean="0"/>
               <a:t>2. </a:t>
             </a:r>
             <a:r>
-              <a:rPr lang="en-GB" sz="6000" b="1" dirty="0" err="1"/>
+              <a:rPr lang="en-GB" sz="6600" b="1" dirty="0" err="1"/>
               <a:t>Jesosy</a:t>
             </a:r>
             <a:r>
-              <a:rPr lang="en-GB" sz="6000" b="1" dirty="0"/>
-              <a:t> </a:t>
-            </a:r>
-            <a:r>
-              <a:rPr lang="en-GB" sz="6000" b="1" dirty="0" err="1"/>
+              <a:rPr lang="en-GB" sz="6600" b="1" dirty="0"/>
+              <a:t> </a:t>
+            </a:r>
+            <a:r>
+              <a:rPr lang="en-GB" sz="6600" b="1" dirty="0" err="1"/>
               <a:t>Zokiko</a:t>
             </a:r>
             <a:r>
-              <a:rPr lang="en-GB" sz="6000" b="1" dirty="0"/>
-              <a:t> ô </a:t>
-            </a:r>
-            <a:r>
-              <a:rPr lang="en-GB" sz="6000" b="1" dirty="0" smtClean="0"/>
-              <a:t>!</a:t>
-            </a:r>
-            <a:r>
-              <a:rPr lang="en-GB" sz="6000" b="1" dirty="0" err="1" smtClean="0"/>
+              <a:rPr lang="en-GB" sz="6600" b="1" dirty="0"/>
+              <a:t> </a:t>
+            </a:r>
+            <a:r>
+              <a:rPr lang="en-GB" sz="6600" b="1" dirty="0" smtClean="0"/>
+              <a:t>ô! </a:t>
+            </a:r>
+            <a:r>
+              <a:rPr lang="en-GB" sz="6600" b="1" dirty="0" err="1" smtClean="0"/>
               <a:t>Raiso</a:t>
             </a:r>
             <a:r>
-              <a:rPr lang="en-GB" sz="6000" b="1" dirty="0" smtClean="0"/>
-              <a:t> </a:t>
-            </a:r>
-            <a:r>
-              <a:rPr lang="en-GB" sz="6000" b="1" dirty="0" err="1"/>
+              <a:rPr lang="en-GB" sz="6600" b="1" dirty="0" smtClean="0"/>
+              <a:t> </a:t>
+            </a:r>
+            <a:r>
+              <a:rPr lang="en-GB" sz="6600" b="1" dirty="0" err="1"/>
               <a:t>aho</a:t>
             </a:r>
-            <a:endParaRPr lang="fr-FR" sz="6000" b="1" dirty="0" smtClean="0">
+            <a:endParaRPr lang="fr-FR" sz="6600" b="1" dirty="0" smtClean="0">
               <a:effectLst/>
             </a:endParaRPr>
           </a:p>
           <a:p>
-            <a:pPr algn="ctr"/>
-            <a:r>
-              <a:rPr lang="en-GB" sz="6000" b="1" dirty="0"/>
+            <a:pPr algn="ctr">
+              <a:lnSpc>
+                <a:spcPct val="150000"/>
+              </a:lnSpc>
+            </a:pPr>
+            <a:r>
+              <a:rPr lang="en-GB" sz="6600" b="1" dirty="0"/>
               <a:t>   </a:t>
             </a:r>
             <a:r>
-              <a:rPr lang="en-GB" sz="6000" b="1" dirty="0" err="1"/>
+              <a:rPr lang="en-GB" sz="6600" b="1" dirty="0" err="1"/>
               <a:t>Ho</a:t>
             </a:r>
             <a:r>
-              <a:rPr lang="en-GB" sz="6000" b="1" dirty="0"/>
-              <a:t> </a:t>
-            </a:r>
-            <a:r>
-              <a:rPr lang="en-GB" sz="6000" b="1" dirty="0" err="1"/>
+              <a:rPr lang="en-GB" sz="6600" b="1" dirty="0"/>
+              <a:t> </a:t>
+            </a:r>
+            <a:r>
+              <a:rPr lang="en-GB" sz="6600" b="1" dirty="0" err="1"/>
               <a:t>isan’ireo</a:t>
             </a:r>
             <a:r>
-              <a:rPr lang="en-GB" sz="6000" b="1" dirty="0"/>
-              <a:t> </a:t>
-            </a:r>
-            <a:r>
-              <a:rPr lang="en-GB" sz="6000" b="1" dirty="0" err="1" smtClean="0"/>
+              <a:rPr lang="en-GB" sz="6600" b="1" dirty="0"/>
+              <a:t> </a:t>
+            </a:r>
+            <a:r>
+              <a:rPr lang="en-GB" sz="6600" b="1" dirty="0" err="1" smtClean="0"/>
               <a:t>zandrinao</a:t>
             </a:r>
             <a:r>
-              <a:rPr lang="en-GB" sz="6000" b="1" dirty="0" smtClean="0"/>
-              <a:t> </a:t>
-            </a:r>
-            <a:r>
-              <a:rPr lang="en-GB" sz="6000" b="1" dirty="0" err="1"/>
+              <a:rPr lang="en-GB" sz="6600" b="1" dirty="0" smtClean="0"/>
+              <a:t> </a:t>
+            </a:r>
+            <a:r>
+              <a:rPr lang="en-GB" sz="6600" b="1" dirty="0" err="1"/>
               <a:t>tianao</a:t>
             </a:r>
-            <a:endParaRPr lang="fr-FR" sz="6000" b="1" dirty="0" smtClean="0">
+            <a:endParaRPr lang="fr-FR" sz="6600" b="1" dirty="0" smtClean="0">
               <a:effectLst/>
             </a:endParaRPr>
           </a:p>
           <a:p>
-            <a:pPr algn="ctr"/>
-            <a:r>
-              <a:rPr lang="en-GB" sz="6000" b="1" dirty="0"/>
+            <a:pPr algn="ctr">
+              <a:lnSpc>
+                <a:spcPct val="150000"/>
+              </a:lnSpc>
+            </a:pPr>
+            <a:r>
+              <a:rPr lang="en-GB" sz="6600" b="1" dirty="0"/>
               <a:t>   </a:t>
             </a:r>
             <a:r>
-              <a:rPr lang="en-GB" sz="6000" b="1" dirty="0" err="1"/>
+              <a:rPr lang="en-GB" sz="6600" b="1" dirty="0" err="1"/>
               <a:t>Neniko</a:t>
             </a:r>
             <a:r>
-              <a:rPr lang="en-GB" sz="6000" b="1" dirty="0"/>
-              <a:t> </a:t>
-            </a:r>
-            <a:r>
-              <a:rPr lang="en-GB" sz="6000" b="1" dirty="0" err="1"/>
+              <a:rPr lang="en-GB" sz="6600" b="1" dirty="0"/>
+              <a:t> </a:t>
+            </a:r>
+            <a:r>
+              <a:rPr lang="en-GB" sz="6600" b="1" dirty="0" err="1"/>
               <a:t>ireny</a:t>
             </a:r>
             <a:r>
-              <a:rPr lang="en-GB" sz="6000" b="1" dirty="0"/>
-              <a:t> </a:t>
-            </a:r>
-            <a:r>
-              <a:rPr lang="en-GB" sz="6000" b="1" dirty="0" err="1"/>
+              <a:rPr lang="en-GB" sz="6600" b="1" dirty="0"/>
+              <a:t> </a:t>
+            </a:r>
+            <a:r>
+              <a:rPr lang="en-GB" sz="6600" b="1" dirty="0" err="1"/>
               <a:t>taloha</a:t>
             </a:r>
             <a:r>
-              <a:rPr lang="en-GB" sz="6000" b="1" dirty="0" smtClean="0"/>
+              <a:rPr lang="en-GB" sz="6600" b="1" dirty="0" smtClean="0"/>
               <a:t>, </a:t>
             </a:r>
             <a:r>
-              <a:rPr lang="en-GB" sz="6000" b="1" dirty="0" err="1"/>
+              <a:rPr lang="en-GB" sz="6600" b="1" dirty="0" err="1"/>
               <a:t>fa</a:t>
             </a:r>
             <a:r>
-              <a:rPr lang="en-GB" sz="6000" b="1" dirty="0"/>
-              <a:t> </a:t>
-            </a:r>
-            <a:r>
-              <a:rPr lang="en-GB" sz="6000" b="1" dirty="0" err="1"/>
+              <a:rPr lang="en-GB" sz="6600" b="1" dirty="0"/>
+              <a:t> </a:t>
+            </a:r>
+            <a:r>
+              <a:rPr lang="en-GB" sz="6600" b="1" dirty="0" err="1"/>
               <a:t>hiova</a:t>
             </a:r>
-            <a:endParaRPr lang="fr-FR" sz="6000" b="1" dirty="0" smtClean="0">
+            <a:endParaRPr lang="fr-FR" sz="6600" b="1" dirty="0" smtClean="0">
               <a:effectLst/>
             </a:endParaRPr>
           </a:p>
           <a:p>
-            <a:pPr algn="ctr"/>
-            <a:r>
-              <a:rPr lang="en-GB" sz="6000" b="1" dirty="0" smtClean="0"/>
+            <a:pPr algn="ctr">
+              <a:lnSpc>
+                <a:spcPct val="150000"/>
+              </a:lnSpc>
+            </a:pPr>
+            <a:r>
+              <a:rPr lang="en-GB" sz="6600" b="1" dirty="0" smtClean="0"/>
               <a:t>   </a:t>
             </a:r>
             <a:r>
-              <a:rPr lang="en-GB" sz="6000" b="1" dirty="0" err="1" smtClean="0"/>
+              <a:rPr lang="en-GB" sz="6600" b="1" dirty="0" err="1" smtClean="0"/>
               <a:t>Raiso</a:t>
             </a:r>
             <a:r>
-              <a:rPr lang="en-GB" sz="6000" b="1" dirty="0" smtClean="0"/>
-              <a:t> </a:t>
-            </a:r>
-            <a:r>
-              <a:rPr lang="en-GB" sz="6000" b="1" dirty="0" err="1"/>
+              <a:rPr lang="en-GB" sz="6600" b="1" dirty="0" smtClean="0"/>
+              <a:t> </a:t>
+            </a:r>
+            <a:r>
+              <a:rPr lang="en-GB" sz="6600" b="1" dirty="0" err="1"/>
               <a:t>aho</a:t>
             </a:r>
             <a:r>
-              <a:rPr lang="en-GB" sz="6000" b="1" dirty="0"/>
-              <a:t> </a:t>
-            </a:r>
-            <a:r>
-              <a:rPr lang="en-GB" sz="6000" b="1" dirty="0" err="1"/>
+              <a:rPr lang="en-GB" sz="6600" b="1" dirty="0"/>
+              <a:t> </a:t>
+            </a:r>
+            <a:r>
+              <a:rPr lang="en-GB" sz="6600" b="1" dirty="0" err="1" smtClean="0"/>
               <a:t>Jesoa</a:t>
             </a:r>
             <a:r>
-              <a:rPr lang="en-GB" sz="6000" b="1" dirty="0"/>
-              <a:t> </a:t>
-            </a:r>
-            <a:r>
-              <a:rPr lang="en-GB" sz="6000" b="1" dirty="0" smtClean="0"/>
+              <a:rPr lang="en-GB" sz="6600" b="1" dirty="0" smtClean="0"/>
               <a:t>! </a:t>
             </a:r>
             <a:r>
-              <a:rPr lang="en-GB" sz="6000" b="1" dirty="0" err="1"/>
+              <a:rPr lang="en-GB" sz="6600" b="1" dirty="0" err="1"/>
               <a:t>Ho</a:t>
             </a:r>
             <a:r>
-              <a:rPr lang="en-GB" sz="6000" b="1" dirty="0"/>
-              <a:t> </a:t>
-            </a:r>
-            <a:r>
-              <a:rPr lang="en-GB" sz="6000" b="1" dirty="0" err="1"/>
+              <a:rPr lang="en-GB" sz="6600" b="1" dirty="0"/>
+              <a:t> </a:t>
+            </a:r>
+            <a:r>
+              <a:rPr lang="en-GB" sz="6600" b="1" dirty="0" err="1"/>
               <a:t>anao</a:t>
             </a:r>
             <a:r>
-              <a:rPr lang="en-GB" sz="6000" b="1" dirty="0" smtClean="0"/>
+              <a:rPr lang="en-GB" sz="6600" b="1" dirty="0" smtClean="0"/>
               <a:t>.</a:t>
             </a:r>
-            <a:endParaRPr lang="fr-FR" sz="6000" b="1" dirty="0"/>
+            <a:endParaRPr lang="fr-FR" sz="6600" b="1" dirty="0"/>
           </a:p>
         </p:txBody>
       </p:sp>
@@ -3816,6 +3894,13 @@
   <p:clrMapOvr>
     <a:masterClrMapping/>
   </p:clrMapOvr>
+  <p:timing>
+    <p:tnLst>
+      <p:par>
+        <p:cTn id="1" dur="indefinite" restart="never" nodeType="tmRoot"/>
+      </p:par>
+    </p:tnLst>
+  </p:timing>
 </p:sld>
 </file>
 
@@ -3844,8 +3929,8 @@
         </p:nvSpPr>
         <p:spPr>
           <a:xfrm>
-            <a:off x="0" y="1600200"/>
-            <a:ext cx="12192000" cy="3785652"/>
+            <a:off x="0" y="464125"/>
+            <a:ext cx="12192000" cy="5489195"/>
           </a:xfrm>
           <a:prstGeom prst="rect">
             <a:avLst/>
@@ -3858,26 +3943,30 @@
           </a:bodyPr>
           <a:lstStyle/>
           <a:p>
-            <a:pPr algn="ctr"/>
+            <a:pPr algn="ctr">
+              <a:lnSpc>
+                <a:spcPct val="150000"/>
+              </a:lnSpc>
+            </a:pPr>
             <a:r>
               <a:rPr lang="en-GB" sz="6000" b="1" dirty="0" err="1"/>
               <a:t>Tompo</a:t>
             </a:r>
             <a:r>
               <a:rPr lang="en-GB" sz="6000" b="1" dirty="0"/>
-              <a:t> ô ! </a:t>
+              <a:t> </a:t>
             </a:r>
             <a:r>
               <a:rPr lang="en-GB" sz="6000" b="1" dirty="0" smtClean="0"/>
-              <a:t> </a:t>
-            </a:r>
-            <a:r>
-              <a:rPr lang="en-GB" sz="6000" b="1" dirty="0" err="1"/>
+              <a:t>ô! </a:t>
+            </a:r>
+            <a:r>
+              <a:rPr lang="en-GB" sz="6000" b="1" dirty="0" err="1" smtClean="0"/>
               <a:t>Tompo</a:t>
             </a:r>
             <a:r>
-              <a:rPr lang="en-GB" sz="6000" b="1" dirty="0"/>
-              <a:t> ô ! </a:t>
+              <a:rPr lang="en-GB" sz="6000" b="1" dirty="0" smtClean="0"/>
+              <a:t> ô! </a:t>
             </a:r>
             <a:r>
               <a:rPr lang="en-GB" sz="6000" b="1" dirty="0" err="1"/>
@@ -3896,7 +3985,11 @@
             </a:endParaRPr>
           </a:p>
           <a:p>
-            <a:pPr algn="ctr"/>
+            <a:pPr algn="ctr">
+              <a:lnSpc>
+                <a:spcPct val="150000"/>
+              </a:lnSpc>
+            </a:pPr>
             <a:r>
               <a:rPr lang="en-GB" sz="6000" b="1" dirty="0"/>
               <a:t>   </a:t>
@@ -3942,7 +4035,11 @@
             </a:endParaRPr>
           </a:p>
           <a:p>
-            <a:pPr algn="ctr"/>
+            <a:pPr algn="ctr">
+              <a:lnSpc>
+                <a:spcPct val="150000"/>
+              </a:lnSpc>
+            </a:pPr>
             <a:r>
               <a:rPr lang="en-GB" sz="6000" b="1" dirty="0"/>
               <a:t>   </a:t>
@@ -3996,7 +4093,11 @@
             </a:endParaRPr>
           </a:p>
           <a:p>
-            <a:pPr algn="ctr"/>
+            <a:pPr algn="ctr">
+              <a:lnSpc>
+                <a:spcPct val="150000"/>
+              </a:lnSpc>
+            </a:pPr>
             <a:r>
               <a:rPr lang="en-GB" sz="6000" b="1" dirty="0"/>
               <a:t>   </a:t>
@@ -4018,7 +4119,7 @@
               <a:t> </a:t>
             </a:r>
             <a:r>
-              <a:rPr lang="en-GB" sz="6000" b="1" smtClean="0"/>
+              <a:rPr lang="en-GB" sz="6000" b="1" dirty="0" err="1" smtClean="0"/>
               <a:t>didinao</a:t>
             </a:r>
             <a:r>
@@ -4031,7 +4132,7 @@
             </a:r>
             <a:r>
               <a:rPr lang="en-GB" sz="6000" b="1" dirty="0" smtClean="0"/>
-              <a:t> !</a:t>
+              <a:t>!</a:t>
             </a:r>
             <a:endParaRPr lang="fr-FR" sz="6000" b="1" dirty="0"/>
           </a:p>
@@ -4047,6 +4148,13 @@
   <p:clrMapOvr>
     <a:masterClrMapping/>
   </p:clrMapOvr>
+  <p:timing>
+    <p:tnLst>
+      <p:par>
+        <p:cTn id="1" dur="indefinite" restart="never" nodeType="tmRoot"/>
+      </p:par>
+    </p:tnLst>
+  </p:timing>
 </p:sld>
 </file>
 
@@ -4305,7 +4413,7 @@
   <a:extraClrSchemeLst/>
   <a:extLst>
     <a:ext uri="{05A4C25C-085E-4340-85A3-A5531E510DB2}">
-      <thm15:themeFamily xmlns="" xmlns:thm15="http://schemas.microsoft.com/office/thememl/2012/main" name="Office Theme" id="{62F939B6-93AF-4DB8-9C6B-D6C7DFDC589F}" vid="{4A3C46E8-61CC-4603-A589-7422A47A8E4A}"/>
+      <thm15:themeFamily xmlns:thm15="http://schemas.microsoft.com/office/thememl/2012/main" name="Office Theme" id="{62F939B6-93AF-4DB8-9C6B-D6C7DFDC589F}" vid="{4A3C46E8-61CC-4603-A589-7422A47A8E4A}"/>
     </a:ext>
   </a:extLst>
 </a:theme>
